--- a/docs/diagrams/LogicComponentClassDiagram.pptx
+++ b/docs/diagrams/LogicComponentClassDiagram.pptx
@@ -208,7 +208,7 @@
           <a:p>
             <a:fld id="{F5CC4B3F-88C1-4FFA-B1B6-F41C21DC6924}" type="datetimeFigureOut">
               <a:rPr lang="en-US" smtClean="0"/>
-              <a:t>2/2/2017</a:t>
+              <a:t>3/17/2017</a:t>
             </a:fld>
             <a:endParaRPr lang="en-US"/>
           </a:p>
@@ -657,7 +657,7 @@
           <a:p>
             <a:fld id="{78C97017-6FC3-485B-9764-EAC9E56C1D49}" type="datetimeFigureOut">
               <a:rPr lang="en-US" smtClean="0"/>
-              <a:t>2/2/2017</a:t>
+              <a:t>3/17/2017</a:t>
             </a:fld>
             <a:endParaRPr lang="en-US"/>
           </a:p>
@@ -827,7 +827,7 @@
           <a:p>
             <a:fld id="{78C97017-6FC3-485B-9764-EAC9E56C1D49}" type="datetimeFigureOut">
               <a:rPr lang="en-US" smtClean="0"/>
-              <a:t>2/2/2017</a:t>
+              <a:t>3/17/2017</a:t>
             </a:fld>
             <a:endParaRPr lang="en-US"/>
           </a:p>
@@ -1007,7 +1007,7 @@
           <a:p>
             <a:fld id="{78C97017-6FC3-485B-9764-EAC9E56C1D49}" type="datetimeFigureOut">
               <a:rPr lang="en-US" smtClean="0"/>
-              <a:t>2/2/2017</a:t>
+              <a:t>3/17/2017</a:t>
             </a:fld>
             <a:endParaRPr lang="en-US"/>
           </a:p>
@@ -1177,7 +1177,7 @@
           <a:p>
             <a:fld id="{78C97017-6FC3-485B-9764-EAC9E56C1D49}" type="datetimeFigureOut">
               <a:rPr lang="en-US" smtClean="0"/>
-              <a:t>2/2/2017</a:t>
+              <a:t>3/17/2017</a:t>
             </a:fld>
             <a:endParaRPr lang="en-US"/>
           </a:p>
@@ -1423,7 +1423,7 @@
           <a:p>
             <a:fld id="{78C97017-6FC3-485B-9764-EAC9E56C1D49}" type="datetimeFigureOut">
               <a:rPr lang="en-US" smtClean="0"/>
-              <a:t>2/2/2017</a:t>
+              <a:t>3/17/2017</a:t>
             </a:fld>
             <a:endParaRPr lang="en-US"/>
           </a:p>
@@ -1711,7 +1711,7 @@
           <a:p>
             <a:fld id="{78C97017-6FC3-485B-9764-EAC9E56C1D49}" type="datetimeFigureOut">
               <a:rPr lang="en-US" smtClean="0"/>
-              <a:t>2/2/2017</a:t>
+              <a:t>3/17/2017</a:t>
             </a:fld>
             <a:endParaRPr lang="en-US"/>
           </a:p>
@@ -2133,7 +2133,7 @@
           <a:p>
             <a:fld id="{78C97017-6FC3-485B-9764-EAC9E56C1D49}" type="datetimeFigureOut">
               <a:rPr lang="en-US" smtClean="0"/>
-              <a:t>2/2/2017</a:t>
+              <a:t>3/17/2017</a:t>
             </a:fld>
             <a:endParaRPr lang="en-US"/>
           </a:p>
@@ -2251,7 +2251,7 @@
           <a:p>
             <a:fld id="{78C97017-6FC3-485B-9764-EAC9E56C1D49}" type="datetimeFigureOut">
               <a:rPr lang="en-US" smtClean="0"/>
-              <a:t>2/2/2017</a:t>
+              <a:t>3/17/2017</a:t>
             </a:fld>
             <a:endParaRPr lang="en-US"/>
           </a:p>
@@ -2346,7 +2346,7 @@
           <a:p>
             <a:fld id="{78C97017-6FC3-485B-9764-EAC9E56C1D49}" type="datetimeFigureOut">
               <a:rPr lang="en-US" smtClean="0"/>
-              <a:t>2/2/2017</a:t>
+              <a:t>3/17/2017</a:t>
             </a:fld>
             <a:endParaRPr lang="en-US"/>
           </a:p>
@@ -2623,7 +2623,7 @@
           <a:p>
             <a:fld id="{78C97017-6FC3-485B-9764-EAC9E56C1D49}" type="datetimeFigureOut">
               <a:rPr lang="en-US" smtClean="0"/>
-              <a:t>2/2/2017</a:t>
+              <a:t>3/17/2017</a:t>
             </a:fld>
             <a:endParaRPr lang="en-US"/>
           </a:p>
@@ -2876,7 +2876,7 @@
           <a:p>
             <a:fld id="{78C97017-6FC3-485B-9764-EAC9E56C1D49}" type="datetimeFigureOut">
               <a:rPr lang="en-US" smtClean="0"/>
-              <a:t>2/2/2017</a:t>
+              <a:t>3/17/2017</a:t>
             </a:fld>
             <a:endParaRPr lang="en-US"/>
           </a:p>
@@ -3089,7 +3089,7 @@
           <a:p>
             <a:fld id="{78C97017-6FC3-485B-9764-EAC9E56C1D49}" type="datetimeFigureOut">
               <a:rPr lang="en-US" smtClean="0"/>
-              <a:t>2/2/2017</a:t>
+              <a:t>3/17/2017</a:t>
             </a:fld>
             <a:endParaRPr lang="en-US"/>
           </a:p>
@@ -3648,7 +3648,7 @@
         </p:nvSpPr>
         <p:spPr>
           <a:xfrm>
-            <a:off x="1780785" y="3772963"/>
+            <a:off x="1776523" y="3948882"/>
             <a:ext cx="1093635" cy="346760"/>
           </a:xfrm>
           <a:prstGeom prst="rect">
@@ -4052,7 +4052,7 @@
         </p:nvSpPr>
         <p:spPr>
           <a:xfrm>
-            <a:off x="3529350" y="3775502"/>
+            <a:off x="3588588" y="3975660"/>
             <a:ext cx="585450" cy="346760"/>
           </a:xfrm>
           <a:prstGeom prst="rect">
@@ -4110,8 +4110,8 @@
         </p:nvCxnSpPr>
         <p:spPr>
           <a:xfrm>
-            <a:off x="2874420" y="3946343"/>
-            <a:ext cx="654930" cy="2539"/>
+            <a:off x="2870158" y="4122262"/>
+            <a:ext cx="718430" cy="26778"/>
           </a:xfrm>
           <a:prstGeom prst="bentConnector3">
             <a:avLst>
@@ -4319,8 +4319,8 @@
         </p:nvCxnSpPr>
         <p:spPr>
           <a:xfrm rot="10800000">
-            <a:off x="1494291" y="3604523"/>
-            <a:ext cx="286494" cy="341820"/>
+            <a:off x="1494291" y="3604524"/>
+            <a:ext cx="282232" cy="517739"/>
           </a:xfrm>
           <a:prstGeom prst="bentConnector2">
             <a:avLst/>
@@ -4442,8 +4442,8 @@
         </p:nvCxnSpPr>
         <p:spPr>
           <a:xfrm rot="16200000" flipH="1">
-            <a:off x="4781573" y="1665753"/>
-            <a:ext cx="202697" cy="5110636"/>
+            <a:off x="4867401" y="1751582"/>
+            <a:ext cx="26778" cy="5114898"/>
           </a:xfrm>
           <a:prstGeom prst="bentConnector2">
             <a:avLst/>
@@ -4814,8 +4814,8 @@
         </p:nvCxnSpPr>
         <p:spPr>
           <a:xfrm rot="16200000" flipV="1">
-            <a:off x="1105538" y="2692369"/>
-            <a:ext cx="2147794" cy="2"/>
+            <a:off x="1022248" y="2775660"/>
+            <a:ext cx="2330409" cy="16035"/>
           </a:xfrm>
           <a:prstGeom prst="bentConnector3">
             <a:avLst>
@@ -5052,7 +5052,7 @@
         </p:nvSpPr>
         <p:spPr>
           <a:xfrm>
-            <a:off x="2807288" y="1905000"/>
+            <a:off x="2812461" y="1710267"/>
             <a:ext cx="751107" cy="346760"/>
           </a:xfrm>
           <a:prstGeom prst="rect">
@@ -5132,7 +5132,7 @@
         </p:nvSpPr>
         <p:spPr>
           <a:xfrm>
-            <a:off x="2813291" y="2432664"/>
+            <a:off x="2818488" y="2160512"/>
             <a:ext cx="726243" cy="174580"/>
           </a:xfrm>
           <a:prstGeom prst="rect">
@@ -5407,7 +5407,7 @@
         </p:nvSpPr>
         <p:spPr>
           <a:xfrm>
-            <a:off x="2819400" y="2841725"/>
+            <a:off x="2828785" y="2464247"/>
             <a:ext cx="731636" cy="283820"/>
           </a:xfrm>
           <a:prstGeom prst="rect">
@@ -5472,7 +5472,7 @@
         </p:nvSpPr>
         <p:spPr>
           <a:xfrm>
-            <a:off x="2819400" y="3190882"/>
+            <a:off x="2836067" y="2827078"/>
             <a:ext cx="731636" cy="283820"/>
           </a:xfrm>
           <a:prstGeom prst="rect">
@@ -5539,7 +5539,7 @@
         </p:nvCxnSpPr>
         <p:spPr>
           <a:xfrm flipH="1">
-            <a:off x="3551036" y="2983635"/>
+            <a:off x="3560421" y="2606157"/>
             <a:ext cx="335164" cy="0"/>
           </a:xfrm>
           <a:prstGeom prst="straightConnector1">
@@ -5580,7 +5580,7 @@
         </p:nvCxnSpPr>
         <p:spPr>
           <a:xfrm flipH="1" flipV="1">
-            <a:off x="3558396" y="3297471"/>
+            <a:off x="3533103" y="2989509"/>
             <a:ext cx="327804" cy="5426"/>
           </a:xfrm>
           <a:prstGeom prst="straightConnector1">
@@ -5618,13 +5618,14 @@
           <p:cNvPr id="13" name="Elbow Connector 12"/>
           <p:cNvCxnSpPr>
             <a:stCxn id="60" idx="0"/>
+            <a:endCxn id="58" idx="2"/>
           </p:cNvCxnSpPr>
           <p:nvPr/>
         </p:nvCxnSpPr>
         <p:spPr>
           <a:xfrm rot="16200000" flipV="1">
-            <a:off x="3063575" y="2720082"/>
-            <a:ext cx="234481" cy="8806"/>
+            <a:off x="3123530" y="2393173"/>
+            <a:ext cx="129155" cy="12993"/>
           </a:xfrm>
           <a:prstGeom prst="bentConnector3">
             <a:avLst>
@@ -5667,7 +5668,7 @@
         </p:nvCxnSpPr>
         <p:spPr>
           <a:xfrm>
-            <a:off x="3539534" y="2078487"/>
+            <a:off x="3551441" y="1874254"/>
             <a:ext cx="346666" cy="0"/>
           </a:xfrm>
           <a:prstGeom prst="line">
@@ -5711,8 +5712,8 @@
         </p:nvCxnSpPr>
         <p:spPr>
           <a:xfrm rot="5400000">
-            <a:off x="3089176" y="2338998"/>
-            <a:ext cx="180904" cy="6429"/>
+            <a:off x="3133071" y="2105567"/>
+            <a:ext cx="103485" cy="6405"/>
           </a:xfrm>
           <a:prstGeom prst="bentConnector3">
             <a:avLst>
@@ -6065,146 +6066,8 @@
         </p:nvCxnSpPr>
         <p:spPr>
           <a:xfrm flipV="1">
-            <a:off x="4114800" y="3150962"/>
-            <a:ext cx="549790" cy="797920"/>
-          </a:xfrm>
-          <a:prstGeom prst="bentConnector3">
-            <a:avLst>
-              <a:gd name="adj1" fmla="val 14720"/>
-            </a:avLst>
-          </a:prstGeom>
-          <a:ln w="19050">
-            <a:solidFill>
-              <a:schemeClr val="accent5">
-                <a:lumMod val="75000"/>
-              </a:schemeClr>
-            </a:solidFill>
-            <a:prstDash val="sysDot"/>
-            <a:headEnd type="none" w="med" len="med"/>
-            <a:tailEnd type="arrow" w="med" len="med"/>
-          </a:ln>
-          <a:effectLst/>
-        </p:spPr>
-        <p:style>
-          <a:lnRef idx="1">
-            <a:schemeClr val="accent2"/>
-          </a:lnRef>
-          <a:fillRef idx="2">
-            <a:schemeClr val="accent2"/>
-          </a:fillRef>
-          <a:effectRef idx="1">
-            <a:schemeClr val="accent2"/>
-          </a:effectRef>
-          <a:fontRef idx="minor">
-            <a:schemeClr val="dk1"/>
-          </a:fontRef>
-        </p:style>
-      </p:cxnSp>
-      <p:cxnSp>
-        <p:nvCxnSpPr>
-          <p:cNvPr id="113" name="Elbow Connector 63"/>
-          <p:cNvCxnSpPr>
-            <a:stCxn id="16" idx="3"/>
-            <a:endCxn id="44" idx="3"/>
-          </p:cNvCxnSpPr>
-          <p:nvPr/>
-        </p:nvCxnSpPr>
-        <p:spPr>
-          <a:xfrm flipV="1">
-            <a:off x="4114800" y="2728717"/>
-            <a:ext cx="549792" cy="1220165"/>
-          </a:xfrm>
-          <a:prstGeom prst="bentConnector3">
-            <a:avLst>
-              <a:gd name="adj1" fmla="val 14720"/>
-            </a:avLst>
-          </a:prstGeom>
-          <a:ln w="19050">
-            <a:solidFill>
-              <a:schemeClr val="accent5">
-                <a:lumMod val="75000"/>
-              </a:schemeClr>
-            </a:solidFill>
-            <a:prstDash val="sysDot"/>
-            <a:headEnd type="none" w="med" len="med"/>
-            <a:tailEnd type="arrow" w="med" len="med"/>
-          </a:ln>
-          <a:effectLst/>
-        </p:spPr>
-        <p:style>
-          <a:lnRef idx="1">
-            <a:schemeClr val="accent2"/>
-          </a:lnRef>
-          <a:fillRef idx="2">
-            <a:schemeClr val="accent2"/>
-          </a:fillRef>
-          <a:effectRef idx="1">
-            <a:schemeClr val="accent2"/>
-          </a:effectRef>
-          <a:fontRef idx="minor">
-            <a:schemeClr val="dk1"/>
-          </a:fontRef>
-        </p:style>
-      </p:cxnSp>
-      <p:cxnSp>
-        <p:nvCxnSpPr>
-          <p:cNvPr id="116" name="Elbow Connector 63"/>
-          <p:cNvCxnSpPr>
-            <a:stCxn id="16" idx="3"/>
-            <a:endCxn id="42" idx="3"/>
-          </p:cNvCxnSpPr>
-          <p:nvPr/>
-        </p:nvCxnSpPr>
-        <p:spPr>
-          <a:xfrm flipV="1">
-            <a:off x="4114800" y="2322317"/>
-            <a:ext cx="549792" cy="1626565"/>
-          </a:xfrm>
-          <a:prstGeom prst="bentConnector3">
-            <a:avLst>
-              <a:gd name="adj1" fmla="val 14721"/>
-            </a:avLst>
-          </a:prstGeom>
-          <a:ln w="19050">
-            <a:solidFill>
-              <a:schemeClr val="accent5">
-                <a:lumMod val="75000"/>
-              </a:schemeClr>
-            </a:solidFill>
-            <a:prstDash val="sysDot"/>
-            <a:headEnd type="none" w="med" len="med"/>
-            <a:tailEnd type="arrow" w="med" len="med"/>
-          </a:ln>
-          <a:effectLst/>
-        </p:spPr>
-        <p:style>
-          <a:lnRef idx="1">
-            <a:schemeClr val="accent2"/>
-          </a:lnRef>
-          <a:fillRef idx="2">
-            <a:schemeClr val="accent2"/>
-          </a:fillRef>
-          <a:effectRef idx="1">
-            <a:schemeClr val="accent2"/>
-          </a:effectRef>
-          <a:fontRef idx="minor">
-            <a:schemeClr val="dk1"/>
-          </a:fontRef>
-        </p:style>
-      </p:cxnSp>
-      <p:cxnSp>
-        <p:nvCxnSpPr>
-          <p:cNvPr id="120" name="Elbow Connector 63"/>
-          <p:cNvCxnSpPr>
-            <a:stCxn id="44" idx="1"/>
-            <a:endCxn id="10" idx="3"/>
-          </p:cNvCxnSpPr>
-          <p:nvPr/>
-        </p:nvCxnSpPr>
-        <p:spPr>
-          <a:xfrm flipV="1">
-            <a:off x="5758227" y="2728300"/>
-            <a:ext cx="768138" cy="417"/>
+            <a:off x="4174038" y="3150962"/>
+            <a:ext cx="490552" cy="998078"/>
           </a:xfrm>
           <a:prstGeom prst="bentConnector3">
             <a:avLst>
@@ -6240,17 +6103,17 @@
       </p:cxnSp>
       <p:cxnSp>
         <p:nvCxnSpPr>
-          <p:cNvPr id="122" name="Elbow Connector 63"/>
+          <p:cNvPr id="113" name="Elbow Connector 63"/>
           <p:cNvCxnSpPr>
-            <a:stCxn id="42" idx="1"/>
-            <a:endCxn id="4" idx="3"/>
+            <a:stCxn id="16" idx="3"/>
+            <a:endCxn id="44" idx="3"/>
           </p:cNvCxnSpPr>
           <p:nvPr/>
         </p:nvCxnSpPr>
         <p:spPr>
-          <a:xfrm>
-            <a:off x="5758227" y="2322317"/>
-            <a:ext cx="762000" cy="230"/>
+          <a:xfrm flipV="1">
+            <a:off x="4174038" y="2728717"/>
+            <a:ext cx="490554" cy="1420323"/>
           </a:xfrm>
           <a:prstGeom prst="bentConnector3">
             <a:avLst>
@@ -6286,14 +6149,152 @@
       </p:cxnSp>
       <p:cxnSp>
         <p:nvCxnSpPr>
+          <p:cNvPr id="116" name="Elbow Connector 63"/>
+          <p:cNvCxnSpPr>
+            <a:stCxn id="16" idx="3"/>
+            <a:endCxn id="42" idx="3"/>
+          </p:cNvCxnSpPr>
+          <p:nvPr/>
+        </p:nvCxnSpPr>
+        <p:spPr>
+          <a:xfrm flipV="1">
+            <a:off x="4174038" y="2322317"/>
+            <a:ext cx="490554" cy="1826723"/>
+          </a:xfrm>
+          <a:prstGeom prst="bentConnector3">
+            <a:avLst>
+              <a:gd name="adj1" fmla="val 50000"/>
+            </a:avLst>
+          </a:prstGeom>
+          <a:ln w="19050">
+            <a:solidFill>
+              <a:schemeClr val="accent5">
+                <a:lumMod val="75000"/>
+              </a:schemeClr>
+            </a:solidFill>
+            <a:prstDash val="sysDot"/>
+            <a:headEnd type="none" w="med" len="med"/>
+            <a:tailEnd type="arrow" w="med" len="med"/>
+          </a:ln>
+          <a:effectLst/>
+        </p:spPr>
+        <p:style>
+          <a:lnRef idx="1">
+            <a:schemeClr val="accent2"/>
+          </a:lnRef>
+          <a:fillRef idx="2">
+            <a:schemeClr val="accent2"/>
+          </a:fillRef>
+          <a:effectRef idx="1">
+            <a:schemeClr val="accent2"/>
+          </a:effectRef>
+          <a:fontRef idx="minor">
+            <a:schemeClr val="dk1"/>
+          </a:fontRef>
+        </p:style>
+      </p:cxnSp>
+      <p:cxnSp>
+        <p:nvCxnSpPr>
+          <p:cNvPr id="120" name="Elbow Connector 63"/>
+          <p:cNvCxnSpPr>
+            <a:stCxn id="44" idx="1"/>
+            <a:endCxn id="10" idx="3"/>
+          </p:cNvCxnSpPr>
+          <p:nvPr/>
+        </p:nvCxnSpPr>
+        <p:spPr>
+          <a:xfrm flipV="1">
+            <a:off x="5758227" y="2728300"/>
+            <a:ext cx="768138" cy="417"/>
+          </a:xfrm>
+          <a:prstGeom prst="bentConnector3">
+            <a:avLst>
+              <a:gd name="adj1" fmla="val 50000"/>
+            </a:avLst>
+          </a:prstGeom>
+          <a:ln w="19050">
+            <a:solidFill>
+              <a:schemeClr val="accent5">
+                <a:lumMod val="75000"/>
+              </a:schemeClr>
+            </a:solidFill>
+            <a:prstDash val="sysDot"/>
+            <a:headEnd type="none" w="med" len="med"/>
+            <a:tailEnd type="arrow" w="med" len="med"/>
+          </a:ln>
+          <a:effectLst/>
+        </p:spPr>
+        <p:style>
+          <a:lnRef idx="1">
+            <a:schemeClr val="accent2"/>
+          </a:lnRef>
+          <a:fillRef idx="2">
+            <a:schemeClr val="accent2"/>
+          </a:fillRef>
+          <a:effectRef idx="1">
+            <a:schemeClr val="accent2"/>
+          </a:effectRef>
+          <a:fontRef idx="minor">
+            <a:schemeClr val="dk1"/>
+          </a:fontRef>
+        </p:style>
+      </p:cxnSp>
+      <p:cxnSp>
+        <p:nvCxnSpPr>
+          <p:cNvPr id="122" name="Elbow Connector 63"/>
+          <p:cNvCxnSpPr>
+            <a:stCxn id="42" idx="1"/>
+            <a:endCxn id="4" idx="3"/>
+          </p:cNvCxnSpPr>
+          <p:nvPr/>
+        </p:nvCxnSpPr>
+        <p:spPr>
+          <a:xfrm>
+            <a:off x="5758227" y="2322317"/>
+            <a:ext cx="762000" cy="230"/>
+          </a:xfrm>
+          <a:prstGeom prst="bentConnector3">
+            <a:avLst>
+              <a:gd name="adj1" fmla="val 50000"/>
+            </a:avLst>
+          </a:prstGeom>
+          <a:ln w="19050">
+            <a:solidFill>
+              <a:schemeClr val="accent5">
+                <a:lumMod val="75000"/>
+              </a:schemeClr>
+            </a:solidFill>
+            <a:prstDash val="sysDot"/>
+            <a:headEnd type="none" w="med" len="med"/>
+            <a:tailEnd type="arrow" w="med" len="med"/>
+          </a:ln>
+          <a:effectLst/>
+        </p:spPr>
+        <p:style>
+          <a:lnRef idx="1">
+            <a:schemeClr val="accent2"/>
+          </a:lnRef>
+          <a:fillRef idx="2">
+            <a:schemeClr val="accent2"/>
+          </a:fillRef>
+          <a:effectRef idx="1">
+            <a:schemeClr val="accent2"/>
+          </a:effectRef>
+          <a:fontRef idx="minor">
+            <a:schemeClr val="dk1"/>
+          </a:fontRef>
+        </p:style>
+      </p:cxnSp>
+      <p:cxnSp>
+        <p:nvCxnSpPr>
           <p:cNvPr id="64" name="Straight Connector 63"/>
           <p:cNvCxnSpPr/>
           <p:nvPr/>
         </p:nvCxnSpPr>
         <p:spPr>
           <a:xfrm>
-            <a:off x="3886200" y="2078487"/>
-            <a:ext cx="0" cy="1218984"/>
+            <a:off x="3886200" y="1874254"/>
+            <a:ext cx="0" cy="1835203"/>
           </a:xfrm>
           <a:prstGeom prst="line">
             <a:avLst/>
@@ -6430,6 +6431,226 @@
             <a:prstDash val="sysDot"/>
             <a:headEnd type="none" w="med" len="med"/>
             <a:tailEnd type="none" w="med" len="med"/>
+          </a:ln>
+          <a:effectLst/>
+        </p:spPr>
+        <p:style>
+          <a:lnRef idx="1">
+            <a:schemeClr val="accent2"/>
+          </a:lnRef>
+          <a:fillRef idx="2">
+            <a:schemeClr val="accent2"/>
+          </a:fillRef>
+          <a:effectRef idx="1">
+            <a:schemeClr val="accent2"/>
+          </a:effectRef>
+          <a:fontRef idx="minor">
+            <a:schemeClr val="dk1"/>
+          </a:fontRef>
+        </p:style>
+      </p:cxnSp>
+      <p:sp>
+        <p:nvSpPr>
+          <p:cNvPr id="71" name="Rectangle 62"/>
+          <p:cNvSpPr/>
+          <p:nvPr/>
+        </p:nvSpPr>
+        <p:spPr>
+          <a:xfrm>
+            <a:off x="2832885" y="3185967"/>
+            <a:ext cx="731636" cy="283820"/>
+          </a:xfrm>
+          <a:prstGeom prst="rect">
+            <a:avLst/>
+          </a:prstGeom>
+          <a:solidFill>
+            <a:schemeClr val="accent5">
+              <a:lumMod val="60000"/>
+              <a:lumOff val="40000"/>
+            </a:schemeClr>
+          </a:solidFill>
+          <a:ln w="19050">
+            <a:solidFill>
+              <a:schemeClr val="accent5">
+                <a:lumMod val="60000"/>
+                <a:lumOff val="40000"/>
+              </a:schemeClr>
+            </a:solidFill>
+          </a:ln>
+          <a:effectLst/>
+        </p:spPr>
+        <p:style>
+          <a:lnRef idx="1">
+            <a:schemeClr val="accent2"/>
+          </a:lnRef>
+          <a:fillRef idx="2">
+            <a:schemeClr val="accent2"/>
+          </a:fillRef>
+          <a:effectRef idx="1">
+            <a:schemeClr val="accent2"/>
+          </a:effectRef>
+          <a:fontRef idx="minor">
+            <a:schemeClr val="dk1"/>
+          </a:fontRef>
+        </p:style>
+        <p:txBody>
+          <a:bodyPr rtlCol="0" anchor="ctr"/>
+          <a:lstStyle/>
+          <a:p>
+            <a:pPr algn="ctr"/>
+            <a:r>
+              <a:rPr lang="en-SG" sz="1050" dirty="0" err="1" smtClean="0">
+                <a:solidFill>
+                  <a:schemeClr val="bg1"/>
+                </a:solidFill>
+              </a:rPr>
+              <a:t>DateTime</a:t>
+            </a:r>
+            <a:r>
+              <a:rPr lang="en-SG" sz="1050" dirty="0" err="1" smtClean="0">
+                <a:solidFill>
+                  <a:schemeClr val="bg1"/>
+                </a:solidFill>
+              </a:rPr>
+              <a:t>Util</a:t>
+            </a:r>
+            <a:endParaRPr lang="en-SG" sz="1050" dirty="0">
+              <a:solidFill>
+                <a:schemeClr val="bg1"/>
+              </a:solidFill>
+            </a:endParaRPr>
+          </a:p>
+        </p:txBody>
+      </p:sp>
+      <p:cxnSp>
+        <p:nvCxnSpPr>
+          <p:cNvPr id="77" name="Straight Arrow Connector 76"/>
+          <p:cNvCxnSpPr/>
+          <p:nvPr/>
+        </p:nvCxnSpPr>
+        <p:spPr>
+          <a:xfrm flipH="1" flipV="1">
+            <a:off x="3541190" y="3398500"/>
+            <a:ext cx="327804" cy="5426"/>
+          </a:xfrm>
+          <a:prstGeom prst="straightConnector1">
+            <a:avLst/>
+          </a:prstGeom>
+          <a:ln w="19050">
+            <a:solidFill>
+              <a:schemeClr val="accent5">
+                <a:lumMod val="50000"/>
+              </a:schemeClr>
+            </a:solidFill>
+            <a:prstDash val="sysDot"/>
+            <a:headEnd type="none" w="med" len="med"/>
+            <a:tailEnd type="arrow" w="med" len="med"/>
+          </a:ln>
+          <a:effectLst/>
+        </p:spPr>
+        <p:style>
+          <a:lnRef idx="1">
+            <a:schemeClr val="accent2"/>
+          </a:lnRef>
+          <a:fillRef idx="2">
+            <a:schemeClr val="accent2"/>
+          </a:fillRef>
+          <a:effectRef idx="1">
+            <a:schemeClr val="accent2"/>
+          </a:effectRef>
+          <a:fontRef idx="minor">
+            <a:schemeClr val="dk1"/>
+          </a:fontRef>
+        </p:style>
+      </p:cxnSp>
+      <p:sp>
+        <p:nvSpPr>
+          <p:cNvPr id="80" name="Rectangle 62"/>
+          <p:cNvSpPr/>
+          <p:nvPr/>
+        </p:nvSpPr>
+        <p:spPr>
+          <a:xfrm>
+            <a:off x="2836585" y="3522162"/>
+            <a:ext cx="731636" cy="283820"/>
+          </a:xfrm>
+          <a:prstGeom prst="rect">
+            <a:avLst/>
+          </a:prstGeom>
+          <a:solidFill>
+            <a:schemeClr val="accent5">
+              <a:lumMod val="60000"/>
+              <a:lumOff val="40000"/>
+            </a:schemeClr>
+          </a:solidFill>
+          <a:ln w="19050">
+            <a:solidFill>
+              <a:schemeClr val="accent5">
+                <a:lumMod val="60000"/>
+                <a:lumOff val="40000"/>
+              </a:schemeClr>
+            </a:solidFill>
+          </a:ln>
+          <a:effectLst/>
+        </p:spPr>
+        <p:style>
+          <a:lnRef idx="1">
+            <a:schemeClr val="accent2"/>
+          </a:lnRef>
+          <a:fillRef idx="2">
+            <a:schemeClr val="accent2"/>
+          </a:fillRef>
+          <a:effectRef idx="1">
+            <a:schemeClr val="accent2"/>
+          </a:effectRef>
+          <a:fontRef idx="minor">
+            <a:schemeClr val="dk1"/>
+          </a:fontRef>
+        </p:style>
+        <p:txBody>
+          <a:bodyPr rtlCol="0" anchor="ctr"/>
+          <a:lstStyle/>
+          <a:p>
+            <a:pPr algn="ctr"/>
+            <a:r>
+              <a:rPr lang="en-SG" sz="1050" dirty="0" err="1" smtClean="0">
+                <a:solidFill>
+                  <a:schemeClr val="bg1"/>
+                </a:solidFill>
+              </a:rPr>
+              <a:t>TaskUtil</a:t>
+            </a:r>
+            <a:endParaRPr lang="en-SG" sz="1050" dirty="0">
+              <a:solidFill>
+                <a:schemeClr val="bg1"/>
+              </a:solidFill>
+            </a:endParaRPr>
+          </a:p>
+        </p:txBody>
+      </p:sp>
+      <p:cxnSp>
+        <p:nvCxnSpPr>
+          <p:cNvPr id="89" name="Straight Arrow Connector 88"/>
+          <p:cNvCxnSpPr/>
+          <p:nvPr/>
+        </p:nvCxnSpPr>
+        <p:spPr>
+          <a:xfrm flipH="1" flipV="1">
+            <a:off x="3550306" y="3660797"/>
+            <a:ext cx="327804" cy="5426"/>
+          </a:xfrm>
+          <a:prstGeom prst="straightConnector1">
+            <a:avLst/>
+          </a:prstGeom>
+          <a:ln w="19050">
+            <a:solidFill>
+              <a:schemeClr val="accent5">
+                <a:lumMod val="50000"/>
+              </a:schemeClr>
+            </a:solidFill>
+            <a:prstDash val="sysDot"/>
+            <a:headEnd type="none" w="med" len="med"/>
+            <a:tailEnd type="arrow" w="med" len="med"/>
           </a:ln>
           <a:effectLst/>
         </p:spPr>

--- a/docs/diagrams/LogicComponentClassDiagram.pptx
+++ b/docs/diagrams/LogicComponentClassDiagram.pptx
@@ -208,7 +208,7 @@
           <a:p>
             <a:fld id="{F5CC4B3F-88C1-4FFA-B1B6-F41C21DC6924}" type="datetimeFigureOut">
               <a:rPr lang="en-US" smtClean="0"/>
-              <a:t>3/17/2017</a:t>
+              <a:t>4/5/17</a:t>
             </a:fld>
             <a:endParaRPr lang="en-US"/>
           </a:p>
@@ -657,7 +657,7 @@
           <a:p>
             <a:fld id="{78C97017-6FC3-485B-9764-EAC9E56C1D49}" type="datetimeFigureOut">
               <a:rPr lang="en-US" smtClean="0"/>
-              <a:t>3/17/2017</a:t>
+              <a:t>4/5/17</a:t>
             </a:fld>
             <a:endParaRPr lang="en-US"/>
           </a:p>
@@ -827,7 +827,7 @@
           <a:p>
             <a:fld id="{78C97017-6FC3-485B-9764-EAC9E56C1D49}" type="datetimeFigureOut">
               <a:rPr lang="en-US" smtClean="0"/>
-              <a:t>3/17/2017</a:t>
+              <a:t>4/5/17</a:t>
             </a:fld>
             <a:endParaRPr lang="en-US"/>
           </a:p>
@@ -1007,7 +1007,7 @@
           <a:p>
             <a:fld id="{78C97017-6FC3-485B-9764-EAC9E56C1D49}" type="datetimeFigureOut">
               <a:rPr lang="en-US" smtClean="0"/>
-              <a:t>3/17/2017</a:t>
+              <a:t>4/5/17</a:t>
             </a:fld>
             <a:endParaRPr lang="en-US"/>
           </a:p>
@@ -1177,7 +1177,7 @@
           <a:p>
             <a:fld id="{78C97017-6FC3-485B-9764-EAC9E56C1D49}" type="datetimeFigureOut">
               <a:rPr lang="en-US" smtClean="0"/>
-              <a:t>3/17/2017</a:t>
+              <a:t>4/5/17</a:t>
             </a:fld>
             <a:endParaRPr lang="en-US"/>
           </a:p>
@@ -1423,7 +1423,7 @@
           <a:p>
             <a:fld id="{78C97017-6FC3-485B-9764-EAC9E56C1D49}" type="datetimeFigureOut">
               <a:rPr lang="en-US" smtClean="0"/>
-              <a:t>3/17/2017</a:t>
+              <a:t>4/5/17</a:t>
             </a:fld>
             <a:endParaRPr lang="en-US"/>
           </a:p>
@@ -1711,7 +1711,7 @@
           <a:p>
             <a:fld id="{78C97017-6FC3-485B-9764-EAC9E56C1D49}" type="datetimeFigureOut">
               <a:rPr lang="en-US" smtClean="0"/>
-              <a:t>3/17/2017</a:t>
+              <a:t>4/5/17</a:t>
             </a:fld>
             <a:endParaRPr lang="en-US"/>
           </a:p>
@@ -2133,7 +2133,7 @@
           <a:p>
             <a:fld id="{78C97017-6FC3-485B-9764-EAC9E56C1D49}" type="datetimeFigureOut">
               <a:rPr lang="en-US" smtClean="0"/>
-              <a:t>3/17/2017</a:t>
+              <a:t>4/5/17</a:t>
             </a:fld>
             <a:endParaRPr lang="en-US"/>
           </a:p>
@@ -2251,7 +2251,7 @@
           <a:p>
             <a:fld id="{78C97017-6FC3-485B-9764-EAC9E56C1D49}" type="datetimeFigureOut">
               <a:rPr lang="en-US" smtClean="0"/>
-              <a:t>3/17/2017</a:t>
+              <a:t>4/5/17</a:t>
             </a:fld>
             <a:endParaRPr lang="en-US"/>
           </a:p>
@@ -2346,7 +2346,7 @@
           <a:p>
             <a:fld id="{78C97017-6FC3-485B-9764-EAC9E56C1D49}" type="datetimeFigureOut">
               <a:rPr lang="en-US" smtClean="0"/>
-              <a:t>3/17/2017</a:t>
+              <a:t>4/5/17</a:t>
             </a:fld>
             <a:endParaRPr lang="en-US"/>
           </a:p>
@@ -2623,7 +2623,7 @@
           <a:p>
             <a:fld id="{78C97017-6FC3-485B-9764-EAC9E56C1D49}" type="datetimeFigureOut">
               <a:rPr lang="en-US" smtClean="0"/>
-              <a:t>3/17/2017</a:t>
+              <a:t>4/5/17</a:t>
             </a:fld>
             <a:endParaRPr lang="en-US"/>
           </a:p>
@@ -2876,7 +2876,7 @@
           <a:p>
             <a:fld id="{78C97017-6FC3-485B-9764-EAC9E56C1D49}" type="datetimeFigureOut">
               <a:rPr lang="en-US" smtClean="0"/>
-              <a:t>3/17/2017</a:t>
+              <a:t>4/5/17</a:t>
             </a:fld>
             <a:endParaRPr lang="en-US"/>
           </a:p>
@@ -3089,7 +3089,7 @@
           <a:p>
             <a:fld id="{78C97017-6FC3-485B-9764-EAC9E56C1D49}" type="datetimeFigureOut">
               <a:rPr lang="en-US" smtClean="0"/>
-              <a:t>3/17/2017</a:t>
+              <a:t>4/5/17</a:t>
             </a:fld>
             <a:endParaRPr lang="en-US"/>
           </a:p>
@@ -3472,7 +3472,7 @@
         </p:nvSpPr>
         <p:spPr>
           <a:xfrm>
-            <a:off x="1066800" y="914400"/>
+            <a:off x="1066800" y="940878"/>
             <a:ext cx="7467600" cy="3733800"/>
           </a:xfrm>
           <a:prstGeom prst="roundRect">
@@ -4052,7 +4052,7 @@
         </p:nvSpPr>
         <p:spPr>
           <a:xfrm>
-            <a:off x="3588588" y="3975660"/>
+            <a:off x="3588588" y="3945228"/>
             <a:ext cx="585450" cy="346760"/>
           </a:xfrm>
           <a:prstGeom prst="rect">
@@ -4099,50 +4099,6 @@
           </a:p>
         </p:txBody>
       </p:sp>
-      <p:cxnSp>
-        <p:nvCxnSpPr>
-          <p:cNvPr id="17" name="Elbow Connector 106"/>
-          <p:cNvCxnSpPr>
-            <a:stCxn id="5" idx="3"/>
-            <a:endCxn id="16" idx="1"/>
-          </p:cNvCxnSpPr>
-          <p:nvPr/>
-        </p:nvCxnSpPr>
-        <p:spPr>
-          <a:xfrm>
-            <a:off x="2870158" y="4122262"/>
-            <a:ext cx="718430" cy="26778"/>
-          </a:xfrm>
-          <a:prstGeom prst="bentConnector3">
-            <a:avLst>
-              <a:gd name="adj1" fmla="val 50000"/>
-            </a:avLst>
-          </a:prstGeom>
-          <a:ln w="19050">
-            <a:solidFill>
-              <a:srgbClr val="0070C0"/>
-            </a:solidFill>
-            <a:prstDash val="solid"/>
-            <a:headEnd type="none" w="med" len="med"/>
-            <a:tailEnd type="arrow" w="med" len="med"/>
-          </a:ln>
-          <a:effectLst/>
-        </p:spPr>
-        <p:style>
-          <a:lnRef idx="1">
-            <a:schemeClr val="accent2"/>
-          </a:lnRef>
-          <a:fillRef idx="2">
-            <a:schemeClr val="accent2"/>
-          </a:fillRef>
-          <a:effectRef idx="1">
-            <a:schemeClr val="accent2"/>
-          </a:effectRef>
-          <a:fontRef idx="minor">
-            <a:schemeClr val="dk1"/>
-          </a:fontRef>
-        </p:style>
-      </p:cxnSp>
       <p:cxnSp>
         <p:nvCxnSpPr>
           <p:cNvPr id="18" name="Straight Arrow Connector 110"/>
@@ -6067,7 +6023,7 @@
         <p:spPr>
           <a:xfrm flipV="1">
             <a:off x="4174038" y="3150962"/>
-            <a:ext cx="490552" cy="998078"/>
+            <a:ext cx="490552" cy="967646"/>
           </a:xfrm>
           <a:prstGeom prst="bentConnector3">
             <a:avLst>
@@ -6113,7 +6069,7 @@
         <p:spPr>
           <a:xfrm flipV="1">
             <a:off x="4174038" y="2728717"/>
-            <a:ext cx="490554" cy="1420323"/>
+            <a:ext cx="490554" cy="1389891"/>
           </a:xfrm>
           <a:prstGeom prst="bentConnector3">
             <a:avLst>
@@ -6159,7 +6115,7 @@
         <p:spPr>
           <a:xfrm flipV="1">
             <a:off x="4174038" y="2322317"/>
-            <a:ext cx="490554" cy="1826723"/>
+            <a:ext cx="490554" cy="1796291"/>
           </a:xfrm>
           <a:prstGeom prst="bentConnector3">
             <a:avLst>
@@ -6457,8 +6413,8 @@
         </p:nvSpPr>
         <p:spPr>
           <a:xfrm>
-            <a:off x="2832885" y="3185967"/>
-            <a:ext cx="731636" cy="283820"/>
+            <a:off x="2623655" y="3185967"/>
+            <a:ext cx="940866" cy="283820"/>
           </a:xfrm>
           <a:prstGeom prst="rect">
             <a:avLst/>
@@ -6504,15 +6460,7 @@
                   <a:schemeClr val="bg1"/>
                 </a:solidFill>
               </a:rPr>
-              <a:t>DateTime</a:t>
-            </a:r>
-            <a:r>
-              <a:rPr lang="en-SG" sz="1050" dirty="0" err="1" smtClean="0">
-                <a:solidFill>
-                  <a:schemeClr val="bg1"/>
-                </a:solidFill>
-              </a:rPr>
-              <a:t>Util</a:t>
+              <a:t>DateTimeUtil</a:t>
             </a:r>
             <a:endParaRPr lang="en-SG" sz="1050" dirty="0">
               <a:solidFill>
@@ -6530,7 +6478,7 @@
         </p:nvCxnSpPr>
         <p:spPr>
           <a:xfrm flipH="1" flipV="1">
-            <a:off x="3541190" y="3398500"/>
+            <a:off x="3541899" y="3367609"/>
             <a:ext cx="327804" cy="5426"/>
           </a:xfrm>
           <a:prstGeom prst="straightConnector1">
@@ -6571,8 +6519,8 @@
         </p:nvSpPr>
         <p:spPr>
           <a:xfrm>
-            <a:off x="2836585" y="3522162"/>
-            <a:ext cx="731636" cy="283820"/>
+            <a:off x="2386835" y="3522162"/>
+            <a:ext cx="1181386" cy="283820"/>
           </a:xfrm>
           <a:prstGeom prst="rect">
             <a:avLst/>
@@ -6618,7 +6566,7 @@
                   <a:schemeClr val="bg1"/>
                 </a:solidFill>
               </a:rPr>
-              <a:t>TaskUtil</a:t>
+              <a:t>ListArgumentsUtil</a:t>
             </a:r>
             <a:endParaRPr lang="en-SG" sz="1050" dirty="0">
               <a:solidFill>
@@ -6649,6 +6597,47 @@
               </a:schemeClr>
             </a:solidFill>
             <a:prstDash val="sysDot"/>
+            <a:headEnd type="none" w="med" len="med"/>
+            <a:tailEnd type="arrow" w="med" len="med"/>
+          </a:ln>
+          <a:effectLst/>
+        </p:spPr>
+        <p:style>
+          <a:lnRef idx="1">
+            <a:schemeClr val="accent2"/>
+          </a:lnRef>
+          <a:fillRef idx="2">
+            <a:schemeClr val="accent2"/>
+          </a:fillRef>
+          <a:effectRef idx="1">
+            <a:schemeClr val="accent2"/>
+          </a:effectRef>
+          <a:fontRef idx="minor">
+            <a:schemeClr val="dk1"/>
+          </a:fontRef>
+        </p:style>
+      </p:cxnSp>
+      <p:cxnSp>
+        <p:nvCxnSpPr>
+          <p:cNvPr id="72" name="Straight Arrow Connector 57"/>
+          <p:cNvCxnSpPr>
+            <a:stCxn id="5" idx="3"/>
+            <a:endCxn id="16" idx="1"/>
+          </p:cNvCxnSpPr>
+          <p:nvPr/>
+        </p:nvCxnSpPr>
+        <p:spPr>
+          <a:xfrm flipV="1">
+            <a:off x="2870158" y="4118608"/>
+            <a:ext cx="718430" cy="3654"/>
+          </a:xfrm>
+          <a:prstGeom prst="straightConnector1">
+            <a:avLst/>
+          </a:prstGeom>
+          <a:ln w="19050">
+            <a:solidFill>
+              <a:srgbClr val="0070C0"/>
+            </a:solidFill>
             <a:headEnd type="none" w="med" len="med"/>
             <a:tailEnd type="arrow" w="med" len="med"/>
           </a:ln>

--- a/docs/diagrams/LogicComponentClassDiagram.pptx
+++ b/docs/diagrams/LogicComponentClassDiagram.pptx
@@ -4770,7 +4770,7 @@
         </p:nvCxnSpPr>
         <p:spPr>
           <a:xfrm rot="16200000" flipV="1">
-            <a:off x="1022248" y="2775660"/>
+            <a:off x="976413" y="2775660"/>
             <a:ext cx="2330409" cy="16035"/>
           </a:xfrm>
           <a:prstGeom prst="bentConnector3">
@@ -6249,8 +6249,8 @@
         </p:nvCxnSpPr>
         <p:spPr>
           <a:xfrm>
-            <a:off x="3886200" y="1874254"/>
-            <a:ext cx="0" cy="1835203"/>
+            <a:off x="3886200" y="1898597"/>
+            <a:ext cx="8472" cy="1810860"/>
           </a:xfrm>
           <a:prstGeom prst="line">
             <a:avLst/>

--- a/docs/diagrams/LogicComponentClassDiagram.pptx
+++ b/docs/diagrams/LogicComponentClassDiagram.pptx
@@ -4392,14 +4392,13 @@
           <p:cNvPr id="25" name="Elbow Connector 63"/>
           <p:cNvCxnSpPr>
             <a:stCxn id="5" idx="2"/>
-            <a:endCxn id="12" idx="1"/>
           </p:cNvCxnSpPr>
           <p:nvPr/>
         </p:nvCxnSpPr>
         <p:spPr>
           <a:xfrm rot="16200000" flipH="1">
-            <a:off x="4867401" y="1751582"/>
-            <a:ext cx="26778" cy="5114898"/>
+            <a:off x="4840186" y="1778797"/>
+            <a:ext cx="81209" cy="5114898"/>
           </a:xfrm>
           <a:prstGeom prst="bentConnector2">
             <a:avLst/>
@@ -4675,7 +4674,7 @@
         </p:nvSpPr>
         <p:spPr>
           <a:xfrm>
-            <a:off x="2912207" y="3709457"/>
+            <a:off x="2840684" y="3960168"/>
             <a:ext cx="131116" cy="230832"/>
           </a:xfrm>
           <a:prstGeom prst="rect">
@@ -4762,47 +4761,6 @@
           </a:p>
         </p:txBody>
       </p:sp>
-      <p:cxnSp>
-        <p:nvCxnSpPr>
-          <p:cNvPr id="39" name="Elbow Connector 122"/>
-          <p:cNvCxnSpPr/>
-          <p:nvPr/>
-        </p:nvCxnSpPr>
-        <p:spPr>
-          <a:xfrm rot="16200000" flipV="1">
-            <a:off x="976413" y="2775660"/>
-            <a:ext cx="2330409" cy="16035"/>
-          </a:xfrm>
-          <a:prstGeom prst="bentConnector3">
-            <a:avLst>
-              <a:gd name="adj1" fmla="val 50000"/>
-            </a:avLst>
-          </a:prstGeom>
-          <a:ln w="19050">
-            <a:solidFill>
-              <a:srgbClr val="0070C0"/>
-            </a:solidFill>
-            <a:prstDash val="sysDot"/>
-            <a:headEnd type="none" w="med" len="med"/>
-            <a:tailEnd type="arrow" w="med" len="med"/>
-          </a:ln>
-          <a:effectLst/>
-        </p:spPr>
-        <p:style>
-          <a:lnRef idx="1">
-            <a:schemeClr val="accent2"/>
-          </a:lnRef>
-          <a:fillRef idx="2">
-            <a:schemeClr val="accent2"/>
-          </a:fillRef>
-          <a:effectRef idx="1">
-            <a:schemeClr val="accent2"/>
-          </a:effectRef>
-          <a:fontRef idx="minor">
-            <a:schemeClr val="dk1"/>
-          </a:fontRef>
-        </p:style>
-      </p:cxnSp>
       <p:sp>
         <p:nvSpPr>
           <p:cNvPr id="42" name="Rectangle 11"/>
@@ -5008,7 +4966,7 @@
         </p:nvSpPr>
         <p:spPr>
           <a:xfrm>
-            <a:off x="2812461" y="1710267"/>
+            <a:off x="2812461" y="1634440"/>
             <a:ext cx="751107" cy="346760"/>
           </a:xfrm>
           <a:prstGeom prst="rect">
@@ -5088,7 +5046,7 @@
         </p:nvSpPr>
         <p:spPr>
           <a:xfrm>
-            <a:off x="2818488" y="2160512"/>
+            <a:off x="2819400" y="2160512"/>
             <a:ext cx="726243" cy="174580"/>
           </a:xfrm>
           <a:prstGeom prst="rect">
@@ -5130,7 +5088,7 @@
           <a:p>
             <a:pPr algn="ctr"/>
             <a:r>
-              <a:rPr lang="en-US" sz="1050" dirty="0" smtClean="0">
+              <a:rPr lang="en-US" sz="1050" dirty="0">
                 <a:solidFill>
                   <a:schemeClr val="bg1"/>
                 </a:solidFill>
@@ -5571,60 +5529,13 @@
       </p:cxnSp>
       <p:cxnSp>
         <p:nvCxnSpPr>
-          <p:cNvPr id="13" name="Elbow Connector 12"/>
-          <p:cNvCxnSpPr>
-            <a:stCxn id="60" idx="0"/>
-            <a:endCxn id="58" idx="2"/>
-          </p:cNvCxnSpPr>
-          <p:nvPr/>
-        </p:nvCxnSpPr>
-        <p:spPr>
-          <a:xfrm rot="16200000" flipV="1">
-            <a:off x="3123530" y="2393173"/>
-            <a:ext cx="129155" cy="12993"/>
-          </a:xfrm>
-          <a:prstGeom prst="bentConnector3">
-            <a:avLst>
-              <a:gd name="adj1" fmla="val 50000"/>
-            </a:avLst>
-          </a:prstGeom>
-          <a:ln w="19050">
-            <a:solidFill>
-              <a:schemeClr val="accent5">
-                <a:lumMod val="60000"/>
-                <a:lumOff val="40000"/>
-              </a:schemeClr>
-            </a:solidFill>
-            <a:prstDash val="sysDot"/>
-            <a:headEnd type="none" w="med" len="med"/>
-            <a:tailEnd type="arrow" w="med" len="med"/>
-          </a:ln>
-          <a:effectLst/>
-        </p:spPr>
-        <p:style>
-          <a:lnRef idx="1">
-            <a:schemeClr val="accent2"/>
-          </a:lnRef>
-          <a:fillRef idx="2">
-            <a:schemeClr val="accent2"/>
-          </a:fillRef>
-          <a:effectRef idx="1">
-            <a:schemeClr val="accent2"/>
-          </a:effectRef>
-          <a:fontRef idx="minor">
-            <a:schemeClr val="dk1"/>
-          </a:fontRef>
-        </p:style>
-      </p:cxnSp>
-      <p:cxnSp>
-        <p:nvCxnSpPr>
           <p:cNvPr id="47" name="Straight Connector 46"/>
           <p:cNvCxnSpPr/>
           <p:nvPr/>
         </p:nvCxnSpPr>
         <p:spPr>
           <a:xfrm>
-            <a:off x="3551441" y="1874254"/>
+            <a:off x="3551441" y="1828800"/>
             <a:ext cx="346666" cy="0"/>
           </a:xfrm>
           <a:prstGeom prst="line">
@@ -5639,53 +5550,6 @@
             <a:prstDash val="sysDot"/>
             <a:headEnd type="arrow" w="med" len="med"/>
             <a:tailEnd type="none" w="med" len="med"/>
-          </a:ln>
-          <a:effectLst/>
-        </p:spPr>
-        <p:style>
-          <a:lnRef idx="1">
-            <a:schemeClr val="accent2"/>
-          </a:lnRef>
-          <a:fillRef idx="2">
-            <a:schemeClr val="accent2"/>
-          </a:fillRef>
-          <a:effectRef idx="1">
-            <a:schemeClr val="accent2"/>
-          </a:effectRef>
-          <a:fontRef idx="minor">
-            <a:schemeClr val="dk1"/>
-          </a:fontRef>
-        </p:style>
-      </p:cxnSp>
-      <p:cxnSp>
-        <p:nvCxnSpPr>
-          <p:cNvPr id="50" name="Elbow Connector 49"/>
-          <p:cNvCxnSpPr>
-            <a:stCxn id="56" idx="2"/>
-            <a:endCxn id="58" idx="0"/>
-          </p:cNvCxnSpPr>
-          <p:nvPr/>
-        </p:nvCxnSpPr>
-        <p:spPr>
-          <a:xfrm rot="5400000">
-            <a:off x="3133071" y="2105567"/>
-            <a:ext cx="103485" cy="6405"/>
-          </a:xfrm>
-          <a:prstGeom prst="bentConnector3">
-            <a:avLst>
-              <a:gd name="adj1" fmla="val 50000"/>
-            </a:avLst>
-          </a:prstGeom>
-          <a:ln w="19050">
-            <a:solidFill>
-              <a:schemeClr val="accent5">
-                <a:lumMod val="60000"/>
-                <a:lumOff val="40000"/>
-              </a:schemeClr>
-            </a:solidFill>
-            <a:prstDash val="sysDot"/>
-            <a:headEnd type="none" w="med" len="med"/>
-            <a:tailEnd type="arrow" w="med" len="med"/>
           </a:ln>
           <a:effectLst/>
         </p:spPr>
@@ -6249,8 +6113,8 @@
         </p:nvCxnSpPr>
         <p:spPr>
           <a:xfrm>
-            <a:off x="3886200" y="1898597"/>
-            <a:ext cx="8472" cy="1810860"/>
+            <a:off x="3894672" y="1828800"/>
+            <a:ext cx="0" cy="1839290"/>
           </a:xfrm>
           <a:prstGeom prst="line">
             <a:avLst/>
@@ -6519,7 +6383,7 @@
         </p:nvSpPr>
         <p:spPr>
           <a:xfrm>
-            <a:off x="2386835" y="3522162"/>
+            <a:off x="2386835" y="3526180"/>
             <a:ext cx="1181386" cy="283820"/>
           </a:xfrm>
           <a:prstGeom prst="rect">
@@ -6638,6 +6502,134 @@
             <a:solidFill>
               <a:srgbClr val="0070C0"/>
             </a:solidFill>
+            <a:headEnd type="none" w="med" len="med"/>
+            <a:tailEnd type="arrow" w="med" len="med"/>
+          </a:ln>
+          <a:effectLst/>
+        </p:spPr>
+        <p:style>
+          <a:lnRef idx="1">
+            <a:schemeClr val="accent2"/>
+          </a:lnRef>
+          <a:fillRef idx="2">
+            <a:schemeClr val="accent2"/>
+          </a:fillRef>
+          <a:effectRef idx="1">
+            <a:schemeClr val="accent2"/>
+          </a:effectRef>
+          <a:fontRef idx="minor">
+            <a:schemeClr val="dk1"/>
+          </a:fontRef>
+        </p:style>
+      </p:cxnSp>
+      <p:cxnSp>
+        <p:nvCxnSpPr>
+          <p:cNvPr id="15" name="Straight Arrow Connector 14"/>
+          <p:cNvCxnSpPr/>
+          <p:nvPr/>
+        </p:nvCxnSpPr>
+        <p:spPr>
+          <a:xfrm flipV="1">
+            <a:off x="2209800" y="1599827"/>
+            <a:ext cx="0" cy="2345401"/>
+          </a:xfrm>
+          <a:prstGeom prst="straightConnector1">
+            <a:avLst/>
+          </a:prstGeom>
+          <a:ln w="19050">
+            <a:solidFill>
+              <a:srgbClr val="0070C0"/>
+            </a:solidFill>
+            <a:prstDash val="sysDot"/>
+            <a:headEnd type="none" w="med" len="med"/>
+            <a:tailEnd type="arrow" w="med" len="med"/>
+          </a:ln>
+          <a:effectLst/>
+        </p:spPr>
+        <p:style>
+          <a:lnRef idx="1">
+            <a:schemeClr val="accent2"/>
+          </a:lnRef>
+          <a:fillRef idx="2">
+            <a:schemeClr val="accent2"/>
+          </a:fillRef>
+          <a:effectRef idx="1">
+            <a:schemeClr val="accent2"/>
+          </a:effectRef>
+          <a:fontRef idx="minor">
+            <a:schemeClr val="dk1"/>
+          </a:fontRef>
+        </p:style>
+      </p:cxnSp>
+      <p:cxnSp>
+        <p:nvCxnSpPr>
+          <p:cNvPr id="75" name="Straight Arrow Connector 74"/>
+          <p:cNvCxnSpPr>
+            <a:endCxn id="58" idx="2"/>
+          </p:cNvCxnSpPr>
+          <p:nvPr/>
+        </p:nvCxnSpPr>
+        <p:spPr>
+          <a:xfrm flipH="1" flipV="1">
+            <a:off x="3182522" y="2335092"/>
+            <a:ext cx="7973" cy="129155"/>
+          </a:xfrm>
+          <a:prstGeom prst="straightConnector1">
+            <a:avLst/>
+          </a:prstGeom>
+          <a:ln w="19050">
+            <a:solidFill>
+              <a:schemeClr val="accent4">
+                <a:lumMod val="60000"/>
+                <a:lumOff val="40000"/>
+              </a:schemeClr>
+            </a:solidFill>
+            <a:prstDash val="sysDot"/>
+            <a:headEnd type="none" w="med" len="med"/>
+            <a:tailEnd type="arrow" w="med" len="med"/>
+          </a:ln>
+          <a:effectLst/>
+        </p:spPr>
+        <p:style>
+          <a:lnRef idx="1">
+            <a:schemeClr val="accent2"/>
+          </a:lnRef>
+          <a:fillRef idx="2">
+            <a:schemeClr val="accent2"/>
+          </a:fillRef>
+          <a:effectRef idx="1">
+            <a:schemeClr val="accent2"/>
+          </a:effectRef>
+          <a:fontRef idx="minor">
+            <a:schemeClr val="dk1"/>
+          </a:fontRef>
+        </p:style>
+      </p:cxnSp>
+      <p:cxnSp>
+        <p:nvCxnSpPr>
+          <p:cNvPr id="76" name="Straight Arrow Connector 75"/>
+          <p:cNvCxnSpPr>
+            <a:stCxn id="56" idx="2"/>
+            <a:endCxn id="58" idx="0"/>
+          </p:cNvCxnSpPr>
+          <p:nvPr/>
+        </p:nvCxnSpPr>
+        <p:spPr>
+          <a:xfrm flipH="1">
+            <a:off x="3182522" y="1981200"/>
+            <a:ext cx="5493" cy="179312"/>
+          </a:xfrm>
+          <a:prstGeom prst="straightConnector1">
+            <a:avLst/>
+          </a:prstGeom>
+          <a:ln w="19050">
+            <a:solidFill>
+              <a:schemeClr val="accent4">
+                <a:lumMod val="60000"/>
+                <a:lumOff val="40000"/>
+              </a:schemeClr>
+            </a:solidFill>
+            <a:prstDash val="sysDot"/>
             <a:headEnd type="none" w="med" len="med"/>
             <a:tailEnd type="arrow" w="med" len="med"/>
           </a:ln>

--- a/docs/diagrams/LogicComponentClassDiagram.pptx
+++ b/docs/diagrams/LogicComponentClassDiagram.pptx
@@ -3569,7 +3569,7 @@
           <a:p>
             <a:pPr algn="ctr"/>
             <a:r>
-              <a:rPr lang="en-US" sz="1050" dirty="0" err="1">
+              <a:rPr lang="en-US" sz="1050" dirty="0">
                 <a:solidFill>
                   <a:schemeClr val="bg1"/>
                 </a:solidFill>
@@ -3625,7 +3625,7 @@
           <a:p>
             <a:pPr algn="ctr"/>
             <a:r>
-              <a:rPr lang="en-US" sz="1050" b="1" dirty="0" err="1" smtClean="0">
+              <a:rPr lang="en-US" sz="1050" b="1" dirty="0" smtClean="0">
                 <a:solidFill>
                   <a:srgbClr val="0070C0"/>
                 </a:solidFill>
@@ -3684,7 +3684,7 @@
           <a:p>
             <a:pPr algn="ctr"/>
             <a:r>
-              <a:rPr lang="en-US" sz="1050" dirty="0" err="1">
+              <a:rPr lang="en-US" sz="1050" dirty="0">
                 <a:solidFill>
                   <a:schemeClr val="bg1"/>
                 </a:solidFill>
@@ -3887,7 +3887,7 @@
           <a:p>
             <a:pPr algn="ctr"/>
             <a:r>
-              <a:rPr lang="en-US" sz="1050" b="1" dirty="0" err="1" smtClean="0">
+              <a:rPr lang="en-US" sz="1050" b="1" dirty="0" smtClean="0">
                 <a:solidFill>
                   <a:srgbClr val="0070C0"/>
                 </a:solidFill>
@@ -4801,18 +4801,13 @@
           <a:p>
             <a:pPr algn="ctr"/>
             <a:r>
-              <a:rPr lang="en-US" sz="1050" b="1" dirty="0" err="1">
+              <a:rPr lang="en-US" sz="1050" b="1" dirty="0">
                 <a:solidFill>
                   <a:schemeClr val="bg1"/>
                 </a:solidFill>
               </a:rPr>
               <a:t>AddCommand</a:t>
             </a:r>
-            <a:endParaRPr lang="en-US" sz="1050" b="1" dirty="0">
-              <a:solidFill>
-                <a:schemeClr val="bg1"/>
-              </a:solidFill>
-            </a:endParaRPr>
           </a:p>
           <a:p>
             <a:pPr algn="ctr"/>
@@ -4872,18 +4867,13 @@
           <a:p>
             <a:pPr algn="ctr"/>
             <a:r>
-              <a:rPr lang="en-US" sz="1050" b="1" dirty="0" err="1">
+              <a:rPr lang="en-US" sz="1050" b="1" dirty="0">
                 <a:solidFill>
                   <a:schemeClr val="bg1"/>
                 </a:solidFill>
               </a:rPr>
               <a:t>FindCommand</a:t>
             </a:r>
-            <a:endParaRPr lang="en-US" sz="1050" b="1" dirty="0">
-              <a:solidFill>
-                <a:schemeClr val="bg1"/>
-              </a:solidFill>
-            </a:endParaRPr>
           </a:p>
           <a:p>
             <a:pPr algn="ctr"/>
@@ -5363,7 +5353,7 @@
           <a:p>
             <a:pPr algn="ctr"/>
             <a:r>
-              <a:rPr lang="en-SG" sz="1050" dirty="0" err="1" smtClean="0">
+              <a:rPr lang="en-SG" sz="1050" dirty="0" smtClean="0">
                 <a:solidFill>
                   <a:schemeClr val="bg1"/>
                 </a:solidFill>
@@ -5428,7 +5418,7 @@
           <a:p>
             <a:pPr algn="ctr"/>
             <a:r>
-              <a:rPr lang="en-SG" sz="1050" dirty="0" err="1" smtClean="0">
+              <a:rPr lang="en-SG" sz="1050" dirty="0" smtClean="0">
                 <a:solidFill>
                   <a:schemeClr val="bg1"/>
                 </a:solidFill>
@@ -6319,7 +6309,7 @@
           <a:p>
             <a:pPr algn="ctr"/>
             <a:r>
-              <a:rPr lang="en-SG" sz="1050" dirty="0" err="1" smtClean="0">
+              <a:rPr lang="en-SG" sz="1050" dirty="0" smtClean="0">
                 <a:solidFill>
                   <a:schemeClr val="bg1"/>
                 </a:solidFill>
@@ -6425,7 +6415,7 @@
           <a:p>
             <a:pPr algn="ctr"/>
             <a:r>
-              <a:rPr lang="en-SG" sz="1050" dirty="0" err="1" smtClean="0">
+              <a:rPr lang="en-SG" sz="1050" dirty="0" smtClean="0">
                 <a:solidFill>
                   <a:schemeClr val="bg1"/>
                 </a:solidFill>

--- a/docs/diagrams/LogicComponentClassDiagram.pptx
+++ b/docs/diagrams/LogicComponentClassDiagram.pptx
@@ -208,7 +208,7 @@
           <a:p>
             <a:fld id="{F5CC4B3F-88C1-4FFA-B1B6-F41C21DC6924}" type="datetimeFigureOut">
               <a:rPr lang="en-US" smtClean="0"/>
-              <a:t>3/17/2017</a:t>
+              <a:t>4/5/17</a:t>
             </a:fld>
             <a:endParaRPr lang="en-US"/>
           </a:p>
@@ -657,7 +657,7 @@
           <a:p>
             <a:fld id="{78C97017-6FC3-485B-9764-EAC9E56C1D49}" type="datetimeFigureOut">
               <a:rPr lang="en-US" smtClean="0"/>
-              <a:t>3/17/2017</a:t>
+              <a:t>4/5/17</a:t>
             </a:fld>
             <a:endParaRPr lang="en-US"/>
           </a:p>
@@ -827,7 +827,7 @@
           <a:p>
             <a:fld id="{78C97017-6FC3-485B-9764-EAC9E56C1D49}" type="datetimeFigureOut">
               <a:rPr lang="en-US" smtClean="0"/>
-              <a:t>3/17/2017</a:t>
+              <a:t>4/5/17</a:t>
             </a:fld>
             <a:endParaRPr lang="en-US"/>
           </a:p>
@@ -1007,7 +1007,7 @@
           <a:p>
             <a:fld id="{78C97017-6FC3-485B-9764-EAC9E56C1D49}" type="datetimeFigureOut">
               <a:rPr lang="en-US" smtClean="0"/>
-              <a:t>3/17/2017</a:t>
+              <a:t>4/5/17</a:t>
             </a:fld>
             <a:endParaRPr lang="en-US"/>
           </a:p>
@@ -1177,7 +1177,7 @@
           <a:p>
             <a:fld id="{78C97017-6FC3-485B-9764-EAC9E56C1D49}" type="datetimeFigureOut">
               <a:rPr lang="en-US" smtClean="0"/>
-              <a:t>3/17/2017</a:t>
+              <a:t>4/5/17</a:t>
             </a:fld>
             <a:endParaRPr lang="en-US"/>
           </a:p>
@@ -1423,7 +1423,7 @@
           <a:p>
             <a:fld id="{78C97017-6FC3-485B-9764-EAC9E56C1D49}" type="datetimeFigureOut">
               <a:rPr lang="en-US" smtClean="0"/>
-              <a:t>3/17/2017</a:t>
+              <a:t>4/5/17</a:t>
             </a:fld>
             <a:endParaRPr lang="en-US"/>
           </a:p>
@@ -1711,7 +1711,7 @@
           <a:p>
             <a:fld id="{78C97017-6FC3-485B-9764-EAC9E56C1D49}" type="datetimeFigureOut">
               <a:rPr lang="en-US" smtClean="0"/>
-              <a:t>3/17/2017</a:t>
+              <a:t>4/5/17</a:t>
             </a:fld>
             <a:endParaRPr lang="en-US"/>
           </a:p>
@@ -2133,7 +2133,7 @@
           <a:p>
             <a:fld id="{78C97017-6FC3-485B-9764-EAC9E56C1D49}" type="datetimeFigureOut">
               <a:rPr lang="en-US" smtClean="0"/>
-              <a:t>3/17/2017</a:t>
+              <a:t>4/5/17</a:t>
             </a:fld>
             <a:endParaRPr lang="en-US"/>
           </a:p>
@@ -2251,7 +2251,7 @@
           <a:p>
             <a:fld id="{78C97017-6FC3-485B-9764-EAC9E56C1D49}" type="datetimeFigureOut">
               <a:rPr lang="en-US" smtClean="0"/>
-              <a:t>3/17/2017</a:t>
+              <a:t>4/5/17</a:t>
             </a:fld>
             <a:endParaRPr lang="en-US"/>
           </a:p>
@@ -2346,7 +2346,7 @@
           <a:p>
             <a:fld id="{78C97017-6FC3-485B-9764-EAC9E56C1D49}" type="datetimeFigureOut">
               <a:rPr lang="en-US" smtClean="0"/>
-              <a:t>3/17/2017</a:t>
+              <a:t>4/5/17</a:t>
             </a:fld>
             <a:endParaRPr lang="en-US"/>
           </a:p>
@@ -2623,7 +2623,7 @@
           <a:p>
             <a:fld id="{78C97017-6FC3-485B-9764-EAC9E56C1D49}" type="datetimeFigureOut">
               <a:rPr lang="en-US" smtClean="0"/>
-              <a:t>3/17/2017</a:t>
+              <a:t>4/5/17</a:t>
             </a:fld>
             <a:endParaRPr lang="en-US"/>
           </a:p>
@@ -2876,7 +2876,7 @@
           <a:p>
             <a:fld id="{78C97017-6FC3-485B-9764-EAC9E56C1D49}" type="datetimeFigureOut">
               <a:rPr lang="en-US" smtClean="0"/>
-              <a:t>3/17/2017</a:t>
+              <a:t>4/5/17</a:t>
             </a:fld>
             <a:endParaRPr lang="en-US"/>
           </a:p>
@@ -3089,7 +3089,7 @@
           <a:p>
             <a:fld id="{78C97017-6FC3-485B-9764-EAC9E56C1D49}" type="datetimeFigureOut">
               <a:rPr lang="en-US" smtClean="0"/>
-              <a:t>3/17/2017</a:t>
+              <a:t>4/5/17</a:t>
             </a:fld>
             <a:endParaRPr lang="en-US"/>
           </a:p>
@@ -3472,7 +3472,7 @@
         </p:nvSpPr>
         <p:spPr>
           <a:xfrm>
-            <a:off x="1066800" y="914400"/>
+            <a:off x="1066800" y="940878"/>
             <a:ext cx="7467600" cy="3733800"/>
           </a:xfrm>
           <a:prstGeom prst="roundRect">
@@ -3569,7 +3569,7 @@
           <a:p>
             <a:pPr algn="ctr"/>
             <a:r>
-              <a:rPr lang="en-US" sz="1050" dirty="0" err="1">
+              <a:rPr lang="en-US" sz="1050" dirty="0">
                 <a:solidFill>
                   <a:schemeClr val="bg1"/>
                 </a:solidFill>
@@ -3625,7 +3625,7 @@
           <a:p>
             <a:pPr algn="ctr"/>
             <a:r>
-              <a:rPr lang="en-US" sz="1050" b="1" dirty="0" err="1" smtClean="0">
+              <a:rPr lang="en-US" sz="1050" b="1" dirty="0" smtClean="0">
                 <a:solidFill>
                   <a:srgbClr val="0070C0"/>
                 </a:solidFill>
@@ -3684,7 +3684,7 @@
           <a:p>
             <a:pPr algn="ctr"/>
             <a:r>
-              <a:rPr lang="en-US" sz="1050" dirty="0" err="1">
+              <a:rPr lang="en-US" sz="1050" dirty="0">
                 <a:solidFill>
                   <a:schemeClr val="bg1"/>
                 </a:solidFill>
@@ -3887,7 +3887,7 @@
           <a:p>
             <a:pPr algn="ctr"/>
             <a:r>
-              <a:rPr lang="en-US" sz="1050" b="1" dirty="0" err="1" smtClean="0">
+              <a:rPr lang="en-US" sz="1050" b="1" dirty="0" smtClean="0">
                 <a:solidFill>
                   <a:srgbClr val="0070C0"/>
                 </a:solidFill>
@@ -4052,7 +4052,7 @@
         </p:nvSpPr>
         <p:spPr>
           <a:xfrm>
-            <a:off x="3588588" y="3975660"/>
+            <a:off x="3588588" y="3945228"/>
             <a:ext cx="585450" cy="346760"/>
           </a:xfrm>
           <a:prstGeom prst="rect">
@@ -4099,50 +4099,6 @@
           </a:p>
         </p:txBody>
       </p:sp>
-      <p:cxnSp>
-        <p:nvCxnSpPr>
-          <p:cNvPr id="17" name="Elbow Connector 106"/>
-          <p:cNvCxnSpPr>
-            <a:stCxn id="5" idx="3"/>
-            <a:endCxn id="16" idx="1"/>
-          </p:cNvCxnSpPr>
-          <p:nvPr/>
-        </p:nvCxnSpPr>
-        <p:spPr>
-          <a:xfrm>
-            <a:off x="2870158" y="4122262"/>
-            <a:ext cx="718430" cy="26778"/>
-          </a:xfrm>
-          <a:prstGeom prst="bentConnector3">
-            <a:avLst>
-              <a:gd name="adj1" fmla="val 50000"/>
-            </a:avLst>
-          </a:prstGeom>
-          <a:ln w="19050">
-            <a:solidFill>
-              <a:srgbClr val="0070C0"/>
-            </a:solidFill>
-            <a:prstDash val="solid"/>
-            <a:headEnd type="none" w="med" len="med"/>
-            <a:tailEnd type="arrow" w="med" len="med"/>
-          </a:ln>
-          <a:effectLst/>
-        </p:spPr>
-        <p:style>
-          <a:lnRef idx="1">
-            <a:schemeClr val="accent2"/>
-          </a:lnRef>
-          <a:fillRef idx="2">
-            <a:schemeClr val="accent2"/>
-          </a:fillRef>
-          <a:effectRef idx="1">
-            <a:schemeClr val="accent2"/>
-          </a:effectRef>
-          <a:fontRef idx="minor">
-            <a:schemeClr val="dk1"/>
-          </a:fontRef>
-        </p:style>
-      </p:cxnSp>
       <p:cxnSp>
         <p:nvCxnSpPr>
           <p:cNvPr id="18" name="Straight Arrow Connector 110"/>
@@ -4436,14 +4392,13 @@
           <p:cNvPr id="25" name="Elbow Connector 63"/>
           <p:cNvCxnSpPr>
             <a:stCxn id="5" idx="2"/>
-            <a:endCxn id="12" idx="1"/>
           </p:cNvCxnSpPr>
           <p:nvPr/>
         </p:nvCxnSpPr>
         <p:spPr>
           <a:xfrm rot="16200000" flipH="1">
-            <a:off x="4867401" y="1751582"/>
-            <a:ext cx="26778" cy="5114898"/>
+            <a:off x="4840186" y="1778797"/>
+            <a:ext cx="81209" cy="5114898"/>
           </a:xfrm>
           <a:prstGeom prst="bentConnector2">
             <a:avLst/>
@@ -4719,7 +4674,7 @@
         </p:nvSpPr>
         <p:spPr>
           <a:xfrm>
-            <a:off x="2912207" y="3709457"/>
+            <a:off x="2840684" y="3960168"/>
             <a:ext cx="131116" cy="230832"/>
           </a:xfrm>
           <a:prstGeom prst="rect">
@@ -4806,47 +4761,6 @@
           </a:p>
         </p:txBody>
       </p:sp>
-      <p:cxnSp>
-        <p:nvCxnSpPr>
-          <p:cNvPr id="39" name="Elbow Connector 122"/>
-          <p:cNvCxnSpPr/>
-          <p:nvPr/>
-        </p:nvCxnSpPr>
-        <p:spPr>
-          <a:xfrm rot="16200000" flipV="1">
-            <a:off x="1022248" y="2775660"/>
-            <a:ext cx="2330409" cy="16035"/>
-          </a:xfrm>
-          <a:prstGeom prst="bentConnector3">
-            <a:avLst>
-              <a:gd name="adj1" fmla="val 50000"/>
-            </a:avLst>
-          </a:prstGeom>
-          <a:ln w="19050">
-            <a:solidFill>
-              <a:srgbClr val="0070C0"/>
-            </a:solidFill>
-            <a:prstDash val="sysDot"/>
-            <a:headEnd type="none" w="med" len="med"/>
-            <a:tailEnd type="arrow" w="med" len="med"/>
-          </a:ln>
-          <a:effectLst/>
-        </p:spPr>
-        <p:style>
-          <a:lnRef idx="1">
-            <a:schemeClr val="accent2"/>
-          </a:lnRef>
-          <a:fillRef idx="2">
-            <a:schemeClr val="accent2"/>
-          </a:fillRef>
-          <a:effectRef idx="1">
-            <a:schemeClr val="accent2"/>
-          </a:effectRef>
-          <a:fontRef idx="minor">
-            <a:schemeClr val="dk1"/>
-          </a:fontRef>
-        </p:style>
-      </p:cxnSp>
       <p:sp>
         <p:nvSpPr>
           <p:cNvPr id="42" name="Rectangle 11"/>
@@ -4887,18 +4801,13 @@
           <a:p>
             <a:pPr algn="ctr"/>
             <a:r>
-              <a:rPr lang="en-US" sz="1050" b="1" dirty="0" err="1">
+              <a:rPr lang="en-US" sz="1050" b="1" dirty="0">
                 <a:solidFill>
                   <a:schemeClr val="bg1"/>
                 </a:solidFill>
               </a:rPr>
               <a:t>AddCommand</a:t>
             </a:r>
-            <a:endParaRPr lang="en-US" sz="1050" b="1" dirty="0">
-              <a:solidFill>
-                <a:schemeClr val="bg1"/>
-              </a:solidFill>
-            </a:endParaRPr>
           </a:p>
           <a:p>
             <a:pPr algn="ctr"/>
@@ -4958,18 +4867,13 @@
           <a:p>
             <a:pPr algn="ctr"/>
             <a:r>
-              <a:rPr lang="en-US" sz="1050" b="1" dirty="0" err="1">
+              <a:rPr lang="en-US" sz="1050" b="1" dirty="0">
                 <a:solidFill>
                   <a:schemeClr val="bg1"/>
                 </a:solidFill>
               </a:rPr>
               <a:t>FindCommand</a:t>
             </a:r>
-            <a:endParaRPr lang="en-US" sz="1050" b="1" dirty="0">
-              <a:solidFill>
-                <a:schemeClr val="bg1"/>
-              </a:solidFill>
-            </a:endParaRPr>
           </a:p>
           <a:p>
             <a:pPr algn="ctr"/>
@@ -5052,7 +4956,7 @@
         </p:nvSpPr>
         <p:spPr>
           <a:xfrm>
-            <a:off x="2812461" y="1710267"/>
+            <a:off x="2812461" y="1634440"/>
             <a:ext cx="751107" cy="346760"/>
           </a:xfrm>
           <a:prstGeom prst="rect">
@@ -5132,7 +5036,7 @@
         </p:nvSpPr>
         <p:spPr>
           <a:xfrm>
-            <a:off x="2818488" y="2160512"/>
+            <a:off x="2819400" y="2160512"/>
             <a:ext cx="726243" cy="174580"/>
           </a:xfrm>
           <a:prstGeom prst="rect">
@@ -5174,7 +5078,7 @@
           <a:p>
             <a:pPr algn="ctr"/>
             <a:r>
-              <a:rPr lang="en-US" sz="1050" dirty="0" smtClean="0">
+              <a:rPr lang="en-US" sz="1050" dirty="0">
                 <a:solidFill>
                   <a:schemeClr val="bg1"/>
                 </a:solidFill>
@@ -5449,7 +5353,7 @@
           <a:p>
             <a:pPr algn="ctr"/>
             <a:r>
-              <a:rPr lang="en-SG" sz="1050" dirty="0" err="1" smtClean="0">
+              <a:rPr lang="en-SG" sz="1050" dirty="0" smtClean="0">
                 <a:solidFill>
                   <a:schemeClr val="bg1"/>
                 </a:solidFill>
@@ -5514,7 +5418,7 @@
           <a:p>
             <a:pPr algn="ctr"/>
             <a:r>
-              <a:rPr lang="en-SG" sz="1050" dirty="0" err="1" smtClean="0">
+              <a:rPr lang="en-SG" sz="1050" dirty="0" smtClean="0">
                 <a:solidFill>
                   <a:schemeClr val="bg1"/>
                 </a:solidFill>
@@ -5615,60 +5519,13 @@
       </p:cxnSp>
       <p:cxnSp>
         <p:nvCxnSpPr>
-          <p:cNvPr id="13" name="Elbow Connector 12"/>
-          <p:cNvCxnSpPr>
-            <a:stCxn id="60" idx="0"/>
-            <a:endCxn id="58" idx="2"/>
-          </p:cNvCxnSpPr>
-          <p:nvPr/>
-        </p:nvCxnSpPr>
-        <p:spPr>
-          <a:xfrm rot="16200000" flipV="1">
-            <a:off x="3123530" y="2393173"/>
-            <a:ext cx="129155" cy="12993"/>
-          </a:xfrm>
-          <a:prstGeom prst="bentConnector3">
-            <a:avLst>
-              <a:gd name="adj1" fmla="val 50000"/>
-            </a:avLst>
-          </a:prstGeom>
-          <a:ln w="19050">
-            <a:solidFill>
-              <a:schemeClr val="accent5">
-                <a:lumMod val="60000"/>
-                <a:lumOff val="40000"/>
-              </a:schemeClr>
-            </a:solidFill>
-            <a:prstDash val="sysDot"/>
-            <a:headEnd type="none" w="med" len="med"/>
-            <a:tailEnd type="arrow" w="med" len="med"/>
-          </a:ln>
-          <a:effectLst/>
-        </p:spPr>
-        <p:style>
-          <a:lnRef idx="1">
-            <a:schemeClr val="accent2"/>
-          </a:lnRef>
-          <a:fillRef idx="2">
-            <a:schemeClr val="accent2"/>
-          </a:fillRef>
-          <a:effectRef idx="1">
-            <a:schemeClr val="accent2"/>
-          </a:effectRef>
-          <a:fontRef idx="minor">
-            <a:schemeClr val="dk1"/>
-          </a:fontRef>
-        </p:style>
-      </p:cxnSp>
-      <p:cxnSp>
-        <p:nvCxnSpPr>
           <p:cNvPr id="47" name="Straight Connector 46"/>
           <p:cNvCxnSpPr/>
           <p:nvPr/>
         </p:nvCxnSpPr>
         <p:spPr>
           <a:xfrm>
-            <a:off x="3551441" y="1874254"/>
+            <a:off x="3551441" y="1828800"/>
             <a:ext cx="346666" cy="0"/>
           </a:xfrm>
           <a:prstGeom prst="line">
@@ -5683,53 +5540,6 @@
             <a:prstDash val="sysDot"/>
             <a:headEnd type="arrow" w="med" len="med"/>
             <a:tailEnd type="none" w="med" len="med"/>
-          </a:ln>
-          <a:effectLst/>
-        </p:spPr>
-        <p:style>
-          <a:lnRef idx="1">
-            <a:schemeClr val="accent2"/>
-          </a:lnRef>
-          <a:fillRef idx="2">
-            <a:schemeClr val="accent2"/>
-          </a:fillRef>
-          <a:effectRef idx="1">
-            <a:schemeClr val="accent2"/>
-          </a:effectRef>
-          <a:fontRef idx="minor">
-            <a:schemeClr val="dk1"/>
-          </a:fontRef>
-        </p:style>
-      </p:cxnSp>
-      <p:cxnSp>
-        <p:nvCxnSpPr>
-          <p:cNvPr id="50" name="Elbow Connector 49"/>
-          <p:cNvCxnSpPr>
-            <a:stCxn id="56" idx="2"/>
-            <a:endCxn id="58" idx="0"/>
-          </p:cNvCxnSpPr>
-          <p:nvPr/>
-        </p:nvCxnSpPr>
-        <p:spPr>
-          <a:xfrm rot="5400000">
-            <a:off x="3133071" y="2105567"/>
-            <a:ext cx="103485" cy="6405"/>
-          </a:xfrm>
-          <a:prstGeom prst="bentConnector3">
-            <a:avLst>
-              <a:gd name="adj1" fmla="val 50000"/>
-            </a:avLst>
-          </a:prstGeom>
-          <a:ln w="19050">
-            <a:solidFill>
-              <a:schemeClr val="accent5">
-                <a:lumMod val="60000"/>
-                <a:lumOff val="40000"/>
-              </a:schemeClr>
-            </a:solidFill>
-            <a:prstDash val="sysDot"/>
-            <a:headEnd type="none" w="med" len="med"/>
-            <a:tailEnd type="arrow" w="med" len="med"/>
           </a:ln>
           <a:effectLst/>
         </p:spPr>
@@ -6067,7 +5877,7 @@
         <p:spPr>
           <a:xfrm flipV="1">
             <a:off x="4174038" y="3150962"/>
-            <a:ext cx="490552" cy="998078"/>
+            <a:ext cx="490552" cy="967646"/>
           </a:xfrm>
           <a:prstGeom prst="bentConnector3">
             <a:avLst>
@@ -6113,7 +5923,7 @@
         <p:spPr>
           <a:xfrm flipV="1">
             <a:off x="4174038" y="2728717"/>
-            <a:ext cx="490554" cy="1420323"/>
+            <a:ext cx="490554" cy="1389891"/>
           </a:xfrm>
           <a:prstGeom prst="bentConnector3">
             <a:avLst>
@@ -6159,7 +5969,7 @@
         <p:spPr>
           <a:xfrm flipV="1">
             <a:off x="4174038" y="2322317"/>
-            <a:ext cx="490554" cy="1826723"/>
+            <a:ext cx="490554" cy="1796291"/>
           </a:xfrm>
           <a:prstGeom prst="bentConnector3">
             <a:avLst>
@@ -6293,8 +6103,8 @@
         </p:nvCxnSpPr>
         <p:spPr>
           <a:xfrm>
-            <a:off x="3886200" y="1874254"/>
-            <a:ext cx="0" cy="1835203"/>
+            <a:off x="3894672" y="1828800"/>
+            <a:ext cx="0" cy="1839290"/>
           </a:xfrm>
           <a:prstGeom prst="line">
             <a:avLst/>
@@ -6457,8 +6267,8 @@
         </p:nvSpPr>
         <p:spPr>
           <a:xfrm>
-            <a:off x="2832885" y="3185967"/>
-            <a:ext cx="731636" cy="283820"/>
+            <a:off x="2623655" y="3185967"/>
+            <a:ext cx="940866" cy="283820"/>
           </a:xfrm>
           <a:prstGeom prst="rect">
             <a:avLst/>
@@ -6499,20 +6309,12 @@
           <a:p>
             <a:pPr algn="ctr"/>
             <a:r>
-              <a:rPr lang="en-SG" sz="1050" dirty="0" err="1" smtClean="0">
+              <a:rPr lang="en-SG" sz="1050" dirty="0" smtClean="0">
                 <a:solidFill>
                   <a:schemeClr val="bg1"/>
                 </a:solidFill>
               </a:rPr>
-              <a:t>DateTime</a:t>
-            </a:r>
-            <a:r>
-              <a:rPr lang="en-SG" sz="1050" dirty="0" err="1" smtClean="0">
-                <a:solidFill>
-                  <a:schemeClr val="bg1"/>
-                </a:solidFill>
-              </a:rPr>
-              <a:t>Util</a:t>
+              <a:t>DateTimeUtil</a:t>
             </a:r>
             <a:endParaRPr lang="en-SG" sz="1050" dirty="0">
               <a:solidFill>
@@ -6530,7 +6332,7 @@
         </p:nvCxnSpPr>
         <p:spPr>
           <a:xfrm flipH="1" flipV="1">
-            <a:off x="3541190" y="3398500"/>
+            <a:off x="3541899" y="3367609"/>
             <a:ext cx="327804" cy="5426"/>
           </a:xfrm>
           <a:prstGeom prst="straightConnector1">
@@ -6571,8 +6373,8 @@
         </p:nvSpPr>
         <p:spPr>
           <a:xfrm>
-            <a:off x="2836585" y="3522162"/>
-            <a:ext cx="731636" cy="283820"/>
+            <a:off x="2386835" y="3526180"/>
+            <a:ext cx="1181386" cy="283820"/>
           </a:xfrm>
           <a:prstGeom prst="rect">
             <a:avLst/>
@@ -6613,12 +6415,12 @@
           <a:p>
             <a:pPr algn="ctr"/>
             <a:r>
-              <a:rPr lang="en-SG" sz="1050" dirty="0" err="1" smtClean="0">
+              <a:rPr lang="en-SG" sz="1050" dirty="0" smtClean="0">
                 <a:solidFill>
                   <a:schemeClr val="bg1"/>
                 </a:solidFill>
               </a:rPr>
-              <a:t>TaskUtil</a:t>
+              <a:t>ListArgumentsUtil</a:t>
             </a:r>
             <a:endParaRPr lang="en-SG" sz="1050" dirty="0">
               <a:solidFill>
@@ -6646,6 +6448,175 @@
             <a:solidFill>
               <a:schemeClr val="accent5">
                 <a:lumMod val="50000"/>
+              </a:schemeClr>
+            </a:solidFill>
+            <a:prstDash val="sysDot"/>
+            <a:headEnd type="none" w="med" len="med"/>
+            <a:tailEnd type="arrow" w="med" len="med"/>
+          </a:ln>
+          <a:effectLst/>
+        </p:spPr>
+        <p:style>
+          <a:lnRef idx="1">
+            <a:schemeClr val="accent2"/>
+          </a:lnRef>
+          <a:fillRef idx="2">
+            <a:schemeClr val="accent2"/>
+          </a:fillRef>
+          <a:effectRef idx="1">
+            <a:schemeClr val="accent2"/>
+          </a:effectRef>
+          <a:fontRef idx="minor">
+            <a:schemeClr val="dk1"/>
+          </a:fontRef>
+        </p:style>
+      </p:cxnSp>
+      <p:cxnSp>
+        <p:nvCxnSpPr>
+          <p:cNvPr id="72" name="Straight Arrow Connector 57"/>
+          <p:cNvCxnSpPr>
+            <a:stCxn id="5" idx="3"/>
+            <a:endCxn id="16" idx="1"/>
+          </p:cNvCxnSpPr>
+          <p:nvPr/>
+        </p:nvCxnSpPr>
+        <p:spPr>
+          <a:xfrm flipV="1">
+            <a:off x="2870158" y="4118608"/>
+            <a:ext cx="718430" cy="3654"/>
+          </a:xfrm>
+          <a:prstGeom prst="straightConnector1">
+            <a:avLst/>
+          </a:prstGeom>
+          <a:ln w="19050">
+            <a:solidFill>
+              <a:srgbClr val="0070C0"/>
+            </a:solidFill>
+            <a:headEnd type="none" w="med" len="med"/>
+            <a:tailEnd type="arrow" w="med" len="med"/>
+          </a:ln>
+          <a:effectLst/>
+        </p:spPr>
+        <p:style>
+          <a:lnRef idx="1">
+            <a:schemeClr val="accent2"/>
+          </a:lnRef>
+          <a:fillRef idx="2">
+            <a:schemeClr val="accent2"/>
+          </a:fillRef>
+          <a:effectRef idx="1">
+            <a:schemeClr val="accent2"/>
+          </a:effectRef>
+          <a:fontRef idx="minor">
+            <a:schemeClr val="dk1"/>
+          </a:fontRef>
+        </p:style>
+      </p:cxnSp>
+      <p:cxnSp>
+        <p:nvCxnSpPr>
+          <p:cNvPr id="15" name="Straight Arrow Connector 14"/>
+          <p:cNvCxnSpPr/>
+          <p:nvPr/>
+        </p:nvCxnSpPr>
+        <p:spPr>
+          <a:xfrm flipV="1">
+            <a:off x="2209800" y="1599827"/>
+            <a:ext cx="0" cy="2345401"/>
+          </a:xfrm>
+          <a:prstGeom prst="straightConnector1">
+            <a:avLst/>
+          </a:prstGeom>
+          <a:ln w="19050">
+            <a:solidFill>
+              <a:srgbClr val="0070C0"/>
+            </a:solidFill>
+            <a:prstDash val="sysDot"/>
+            <a:headEnd type="none" w="med" len="med"/>
+            <a:tailEnd type="arrow" w="med" len="med"/>
+          </a:ln>
+          <a:effectLst/>
+        </p:spPr>
+        <p:style>
+          <a:lnRef idx="1">
+            <a:schemeClr val="accent2"/>
+          </a:lnRef>
+          <a:fillRef idx="2">
+            <a:schemeClr val="accent2"/>
+          </a:fillRef>
+          <a:effectRef idx="1">
+            <a:schemeClr val="accent2"/>
+          </a:effectRef>
+          <a:fontRef idx="minor">
+            <a:schemeClr val="dk1"/>
+          </a:fontRef>
+        </p:style>
+      </p:cxnSp>
+      <p:cxnSp>
+        <p:nvCxnSpPr>
+          <p:cNvPr id="75" name="Straight Arrow Connector 74"/>
+          <p:cNvCxnSpPr>
+            <a:endCxn id="58" idx="2"/>
+          </p:cNvCxnSpPr>
+          <p:nvPr/>
+        </p:nvCxnSpPr>
+        <p:spPr>
+          <a:xfrm flipH="1" flipV="1">
+            <a:off x="3182522" y="2335092"/>
+            <a:ext cx="7973" cy="129155"/>
+          </a:xfrm>
+          <a:prstGeom prst="straightConnector1">
+            <a:avLst/>
+          </a:prstGeom>
+          <a:ln w="19050">
+            <a:solidFill>
+              <a:schemeClr val="accent4">
+                <a:lumMod val="60000"/>
+                <a:lumOff val="40000"/>
+              </a:schemeClr>
+            </a:solidFill>
+            <a:prstDash val="sysDot"/>
+            <a:headEnd type="none" w="med" len="med"/>
+            <a:tailEnd type="arrow" w="med" len="med"/>
+          </a:ln>
+          <a:effectLst/>
+        </p:spPr>
+        <p:style>
+          <a:lnRef idx="1">
+            <a:schemeClr val="accent2"/>
+          </a:lnRef>
+          <a:fillRef idx="2">
+            <a:schemeClr val="accent2"/>
+          </a:fillRef>
+          <a:effectRef idx="1">
+            <a:schemeClr val="accent2"/>
+          </a:effectRef>
+          <a:fontRef idx="minor">
+            <a:schemeClr val="dk1"/>
+          </a:fontRef>
+        </p:style>
+      </p:cxnSp>
+      <p:cxnSp>
+        <p:nvCxnSpPr>
+          <p:cNvPr id="76" name="Straight Arrow Connector 75"/>
+          <p:cNvCxnSpPr>
+            <a:stCxn id="56" idx="2"/>
+            <a:endCxn id="58" idx="0"/>
+          </p:cNvCxnSpPr>
+          <p:nvPr/>
+        </p:nvCxnSpPr>
+        <p:spPr>
+          <a:xfrm flipH="1">
+            <a:off x="3182522" y="1981200"/>
+            <a:ext cx="5493" cy="179312"/>
+          </a:xfrm>
+          <a:prstGeom prst="straightConnector1">
+            <a:avLst/>
+          </a:prstGeom>
+          <a:ln w="19050">
+            <a:solidFill>
+              <a:schemeClr val="accent4">
+                <a:lumMod val="60000"/>
+                <a:lumOff val="40000"/>
               </a:schemeClr>
             </a:solidFill>
             <a:prstDash val="sysDot"/>
